--- a/FileBaoCao/SlideTrinhChieu.pptx
+++ b/FileBaoCao/SlideTrinhChieu.pptx
@@ -4307,133 +4307,6 @@
           <a:chExt cx="0" cy="0"/>
         </a:xfrm>
       </p:grpSpPr>
-      <p:sp>
-        <p:nvSpPr>
-          <p:cNvPr id="3" name="TextBox 2"/>
-          <p:cNvSpPr txBox="1"/>
-          <p:nvPr/>
-        </p:nvSpPr>
-        <p:spPr>
-          <a:xfrm>
-            <a:off x="3060626" y="412304"/>
-            <a:ext cx="3744416" cy="461665"/>
-          </a:xfrm>
-          <a:prstGeom prst="rect">
-            <a:avLst/>
-          </a:prstGeom>
-          <a:noFill/>
-        </p:spPr>
-        <p:txBody>
-          <a:bodyPr wrap="square" rtlCol="0">
-            <a:spAutoFit/>
-          </a:bodyPr>
-          <a:lstStyle/>
-          <a:p>
-            <a:pPr algn="ctr"/>
-            <a:r>
-              <a:rPr lang="en-US" sz="2400" b="1" dirty="0" err="1">
-                <a:solidFill>
-                  <a:schemeClr val="tx2">
-                    <a:lumMod val="75000"/>
-                  </a:schemeClr>
-                </a:solidFill>
-                <a:latin typeface="Tahoma" panose="020B0604030504040204" pitchFamily="34" charset="0"/>
-                <a:ea typeface="Tahoma" panose="020B0604030504040204" pitchFamily="34" charset="0"/>
-                <a:cs typeface="Tahoma" panose="020B0604030504040204" pitchFamily="34" charset="0"/>
-              </a:rPr>
-              <a:t>Giao</a:t>
-            </a:r>
-            <a:r>
-              <a:rPr lang="en-US" sz="2400" b="1" dirty="0">
-                <a:solidFill>
-                  <a:schemeClr val="tx2">
-                    <a:lumMod val="75000"/>
-                  </a:schemeClr>
-                </a:solidFill>
-                <a:latin typeface="Tahoma" panose="020B0604030504040204" pitchFamily="34" charset="0"/>
-                <a:ea typeface="Tahoma" panose="020B0604030504040204" pitchFamily="34" charset="0"/>
-                <a:cs typeface="Tahoma" panose="020B0604030504040204" pitchFamily="34" charset="0"/>
-              </a:rPr>
-              <a:t> </a:t>
-            </a:r>
-            <a:r>
-              <a:rPr lang="en-US" sz="2400" b="1" dirty="0" err="1">
-                <a:solidFill>
-                  <a:schemeClr val="tx2">
-                    <a:lumMod val="75000"/>
-                  </a:schemeClr>
-                </a:solidFill>
-                <a:latin typeface="Tahoma" panose="020B0604030504040204" pitchFamily="34" charset="0"/>
-                <a:ea typeface="Tahoma" panose="020B0604030504040204" pitchFamily="34" charset="0"/>
-                <a:cs typeface="Tahoma" panose="020B0604030504040204" pitchFamily="34" charset="0"/>
-              </a:rPr>
-              <a:t>diện</a:t>
-            </a:r>
-            <a:r>
-              <a:rPr lang="en-US" sz="2400" b="1" dirty="0">
-                <a:solidFill>
-                  <a:schemeClr val="tx2">
-                    <a:lumMod val="75000"/>
-                  </a:schemeClr>
-                </a:solidFill>
-                <a:latin typeface="Tahoma" panose="020B0604030504040204" pitchFamily="34" charset="0"/>
-                <a:ea typeface="Tahoma" panose="020B0604030504040204" pitchFamily="34" charset="0"/>
-                <a:cs typeface="Tahoma" panose="020B0604030504040204" pitchFamily="34" charset="0"/>
-              </a:rPr>
-              <a:t> </a:t>
-            </a:r>
-            <a:r>
-              <a:rPr lang="en-US" sz="2400" b="1" dirty="0" err="1">
-                <a:solidFill>
-                  <a:schemeClr val="tx2">
-                    <a:lumMod val="75000"/>
-                  </a:schemeClr>
-                </a:solidFill>
-                <a:latin typeface="Tahoma" panose="020B0604030504040204" pitchFamily="34" charset="0"/>
-                <a:ea typeface="Tahoma" panose="020B0604030504040204" pitchFamily="34" charset="0"/>
-                <a:cs typeface="Tahoma" panose="020B0604030504040204" pitchFamily="34" charset="0"/>
-              </a:rPr>
-              <a:t>đăng</a:t>
-            </a:r>
-            <a:r>
-              <a:rPr lang="en-US" sz="2400" b="1" dirty="0">
-                <a:solidFill>
-                  <a:schemeClr val="tx2">
-                    <a:lumMod val="75000"/>
-                  </a:schemeClr>
-                </a:solidFill>
-                <a:latin typeface="Tahoma" panose="020B0604030504040204" pitchFamily="34" charset="0"/>
-                <a:ea typeface="Tahoma" panose="020B0604030504040204" pitchFamily="34" charset="0"/>
-                <a:cs typeface="Tahoma" panose="020B0604030504040204" pitchFamily="34" charset="0"/>
-              </a:rPr>
-              <a:t> </a:t>
-            </a:r>
-            <a:r>
-              <a:rPr lang="en-US" sz="2400" b="1" dirty="0" err="1">
-                <a:solidFill>
-                  <a:schemeClr val="tx2">
-                    <a:lumMod val="75000"/>
-                  </a:schemeClr>
-                </a:solidFill>
-                <a:latin typeface="Tahoma" panose="020B0604030504040204" pitchFamily="34" charset="0"/>
-                <a:ea typeface="Tahoma" panose="020B0604030504040204" pitchFamily="34" charset="0"/>
-                <a:cs typeface="Tahoma" panose="020B0604030504040204" pitchFamily="34" charset="0"/>
-              </a:rPr>
-              <a:t>nhập</a:t>
-            </a:r>
-            <a:endParaRPr lang="en-US" sz="2400" b="1" dirty="0">
-              <a:solidFill>
-                <a:schemeClr val="tx2">
-                  <a:lumMod val="75000"/>
-                </a:schemeClr>
-              </a:solidFill>
-              <a:latin typeface="Tahoma" panose="020B0604030504040204" pitchFamily="34" charset="0"/>
-              <a:ea typeface="Tahoma" panose="020B0604030504040204" pitchFamily="34" charset="0"/>
-              <a:cs typeface="Tahoma" panose="020B0604030504040204" pitchFamily="34" charset="0"/>
-            </a:endParaRPr>
-          </a:p>
-        </p:txBody>
-      </p:sp>
       <p:pic>
         <p:nvPicPr>
           <p:cNvPr id="4" name="Picture 3" descr="Graphical user interface, application&#10;&#10;Description automatically generated">
@@ -4470,6 +4343,90 @@
           </a:prstGeom>
         </p:spPr>
       </p:pic>
+      <p:sp>
+        <p:nvSpPr>
+          <p:cNvPr id="5" name="TextBox 4">
+            <a:extLst>
+              <a:ext uri="{FF2B5EF4-FFF2-40B4-BE49-F238E27FC236}">
+                <a16:creationId xmlns:a16="http://schemas.microsoft.com/office/drawing/2014/main" id="{2D9A2307-5A55-4ABA-82F6-A47AF5403DD8}"/>
+              </a:ext>
+            </a:extLst>
+          </p:cNvPr>
+          <p:cNvSpPr txBox="1"/>
+          <p:nvPr/>
+        </p:nvSpPr>
+        <p:spPr>
+          <a:xfrm>
+            <a:off x="2556570" y="268288"/>
+            <a:ext cx="3975220" cy="523220"/>
+          </a:xfrm>
+          <a:prstGeom prst="rect">
+            <a:avLst/>
+          </a:prstGeom>
+          <a:noFill/>
+        </p:spPr>
+        <p:txBody>
+          <a:bodyPr wrap="square" rtlCol="0">
+            <a:spAutoFit/>
+          </a:bodyPr>
+          <a:lstStyle/>
+          <a:p>
+            <a:pPr algn="ctr"/>
+            <a:r>
+              <a:rPr lang="en-US" sz="2800" b="1" dirty="0" err="1">
+                <a:solidFill>
+                  <a:srgbClr val="00B050"/>
+                </a:solidFill>
+                <a:latin typeface="Tahoma" panose="020B0604030504040204" pitchFamily="34" charset="0"/>
+                <a:ea typeface="Tahoma" panose="020B0604030504040204" pitchFamily="34" charset="0"/>
+                <a:cs typeface="Tahoma" panose="020B0604030504040204" pitchFamily="34" charset="0"/>
+              </a:rPr>
+              <a:t>Giao</a:t>
+            </a:r>
+            <a:r>
+              <a:rPr lang="en-US" sz="2800" b="1" dirty="0">
+                <a:solidFill>
+                  <a:srgbClr val="00B050"/>
+                </a:solidFill>
+                <a:latin typeface="Tahoma" panose="020B0604030504040204" pitchFamily="34" charset="0"/>
+                <a:ea typeface="Tahoma" panose="020B0604030504040204" pitchFamily="34" charset="0"/>
+                <a:cs typeface="Tahoma" panose="020B0604030504040204" pitchFamily="34" charset="0"/>
+              </a:rPr>
+              <a:t> </a:t>
+            </a:r>
+            <a:r>
+              <a:rPr lang="en-US" sz="2800" b="1" err="1">
+                <a:solidFill>
+                  <a:srgbClr val="00B050"/>
+                </a:solidFill>
+                <a:latin typeface="Tahoma" panose="020B0604030504040204" pitchFamily="34" charset="0"/>
+                <a:ea typeface="Tahoma" panose="020B0604030504040204" pitchFamily="34" charset="0"/>
+                <a:cs typeface="Tahoma" panose="020B0604030504040204" pitchFamily="34" charset="0"/>
+              </a:rPr>
+              <a:t>diện</a:t>
+            </a:r>
+            <a:r>
+              <a:rPr lang="en-US" sz="2800" b="1">
+                <a:solidFill>
+                  <a:srgbClr val="00B050"/>
+                </a:solidFill>
+                <a:latin typeface="Tahoma" panose="020B0604030504040204" pitchFamily="34" charset="0"/>
+                <a:ea typeface="Tahoma" panose="020B0604030504040204" pitchFamily="34" charset="0"/>
+                <a:cs typeface="Tahoma" panose="020B0604030504040204" pitchFamily="34" charset="0"/>
+              </a:rPr>
+              <a:t> đăng nhập</a:t>
+            </a:r>
+            <a:endParaRPr lang="en-US" sz="2800" b="1" dirty="0">
+              <a:solidFill>
+                <a:srgbClr val="00B050"/>
+              </a:solidFill>
+              <a:latin typeface="Tahoma" panose="020B0604030504040204" pitchFamily="34" charset="0"/>
+              <a:ea typeface="Tahoma" panose="020B0604030504040204" pitchFamily="34" charset="0"/>
+              <a:cs typeface="Tahoma" panose="020B0604030504040204" pitchFamily="34" charset="0"/>
+            </a:endParaRPr>
+          </a:p>
+        </p:txBody>
+      </p:sp>
     </p:spTree>
     <p:extLst>
       <p:ext uri="{BB962C8B-B14F-4D97-AF65-F5344CB8AC3E}">
@@ -4504,7 +4461,7 @@
                             </p:stCondLst>
                             <p:childTnLst>
                               <p:par>
-                                <p:cTn id="5" presetID="6" presetClass="entr" presetSubtype="16" fill="hold" grpId="0" nodeType="clickEffect">
+                                <p:cTn id="5" presetID="42" presetClass="entr" presetSubtype="0" fill="hold" grpId="0" nodeType="clickEffect">
                                   <p:stCondLst>
                                     <p:cond delay="0"/>
                                   </p:stCondLst>
@@ -4517,7 +4474,7 @@
                                           </p:stCondLst>
                                         </p:cTn>
                                         <p:tgtEl>
-                                          <p:spTgt spid="3"/>
+                                          <p:spTgt spid="5"/>
                                         </p:tgtEl>
                                         <p:attrNameLst>
                                           <p:attrName>style.visibility</p:attrName>
@@ -4527,14 +4484,60 @@
                                         <p:strVal val="visible"/>
                                       </p:to>
                                     </p:set>
-                                    <p:animEffect transition="in" filter="circle(in)">
+                                    <p:animEffect transition="in" filter="fade">
                                       <p:cBhvr>
-                                        <p:cTn id="7" dur="2000"/>
+                                        <p:cTn id="7" dur="1000"/>
                                         <p:tgtEl>
-                                          <p:spTgt spid="3"/>
+                                          <p:spTgt spid="5"/>
                                         </p:tgtEl>
                                       </p:cBhvr>
                                     </p:animEffect>
+                                    <p:anim calcmode="lin" valueType="num">
+                                      <p:cBhvr>
+                                        <p:cTn id="8" dur="1000" fill="hold"/>
+                                        <p:tgtEl>
+                                          <p:spTgt spid="5"/>
+                                        </p:tgtEl>
+                                        <p:attrNameLst>
+                                          <p:attrName>ppt_x</p:attrName>
+                                        </p:attrNameLst>
+                                      </p:cBhvr>
+                                      <p:tavLst>
+                                        <p:tav tm="0">
+                                          <p:val>
+                                            <p:strVal val="#ppt_x"/>
+                                          </p:val>
+                                        </p:tav>
+                                        <p:tav tm="100000">
+                                          <p:val>
+                                            <p:strVal val="#ppt_x"/>
+                                          </p:val>
+                                        </p:tav>
+                                      </p:tavLst>
+                                    </p:anim>
+                                    <p:anim calcmode="lin" valueType="num">
+                                      <p:cBhvr>
+                                        <p:cTn id="9" dur="1000" fill="hold"/>
+                                        <p:tgtEl>
+                                          <p:spTgt spid="5"/>
+                                        </p:tgtEl>
+                                        <p:attrNameLst>
+                                          <p:attrName>ppt_y</p:attrName>
+                                        </p:attrNameLst>
+                                      </p:cBhvr>
+                                      <p:tavLst>
+                                        <p:tav tm="0">
+                                          <p:val>
+                                            <p:strVal val="#ppt_y+.1"/>
+                                          </p:val>
+                                        </p:tav>
+                                        <p:tav tm="100000">
+                                          <p:val>
+                                            <p:strVal val="#ppt_y"/>
+                                          </p:val>
+                                        </p:tav>
+                                      </p:tavLst>
+                                    </p:anim>
                                   </p:childTnLst>
                                 </p:cTn>
                               </p:par>
@@ -4566,7 +4569,7 @@
       </p:par>
     </p:tnLst>
     <p:bldLst>
-      <p:bldP spid="3" grpId="0"/>
+      <p:bldP spid="5" grpId="0"/>
     </p:bldLst>
   </p:timing>
 </p:sld>
@@ -4597,7 +4600,7 @@
         </p:nvSpPr>
         <p:spPr>
           <a:xfrm>
-            <a:off x="2919010" y="0"/>
+            <a:off x="2919010" y="90556"/>
             <a:ext cx="3600400" cy="523220"/>
           </a:xfrm>
           <a:prstGeom prst="rect">
@@ -4695,7 +4698,7 @@
         </p:blipFill>
         <p:spPr>
           <a:xfrm>
-            <a:off x="3724777" y="523220"/>
+            <a:off x="3724777" y="628328"/>
             <a:ext cx="1988866" cy="4426204"/>
           </a:xfrm>
           <a:prstGeom prst="rect">
@@ -20252,18 +20255,18 @@
 </file>
 
 <file path=customXml/item1.xml><?xml version="1.0" encoding="utf-8"?>
-<p:properties xmlns:p="http://schemas.microsoft.com/office/2006/metadata/properties" xmlns:xsi="http://www.w3.org/2001/XMLSchema-instance" xmlns:pc="http://schemas.microsoft.com/office/infopath/2007/PartnerControls">
-  <documentManagement/>
-</p:properties>
-</file>
-
-<file path=customXml/item2.xml><?xml version="1.0" encoding="utf-8"?>
 <?mso-contentType ?>
 <FormTemplates xmlns="http://schemas.microsoft.com/sharepoint/v3/contenttype/forms">
   <Display>DocumentLibraryForm</Display>
   <Edit>DocumentLibraryForm</Edit>
   <New>DocumentLibraryForm</New>
 </FormTemplates>
+</file>
+
+<file path=customXml/item2.xml><?xml version="1.0" encoding="utf-8"?>
+<p:properties xmlns:p="http://schemas.microsoft.com/office/2006/metadata/properties" xmlns:xsi="http://www.w3.org/2001/XMLSchema-instance" xmlns:pc="http://schemas.microsoft.com/office/infopath/2007/PartnerControls">
+  <documentManagement/>
+</p:properties>
 </file>
 
 <file path=customXml/item3.xml><?xml version="1.0" encoding="utf-8"?>
@@ -20411,18 +20414,18 @@
 </file>
 
 <file path=customXml/itemProps1.xml><?xml version="1.0" encoding="utf-8"?>
-<ds:datastoreItem xmlns:ds="http://schemas.openxmlformats.org/officeDocument/2006/customXml" ds:itemID="{B6DCA9F3-9F28-4DBE-907A-241B530B5EA8}">
+<ds:datastoreItem xmlns:ds="http://schemas.openxmlformats.org/officeDocument/2006/customXml" ds:itemID="{5F5090A6-2EB8-4589-A188-65DC03341A51}">
   <ds:schemaRefs>
-    <ds:schemaRef ds:uri="http://schemas.microsoft.com/office/2006/metadata/properties"/>
-    <ds:schemaRef ds:uri="http://schemas.microsoft.com/office/infopath/2007/PartnerControls"/>
+    <ds:schemaRef ds:uri="http://schemas.microsoft.com/sharepoint/v3/contenttype/forms"/>
   </ds:schemaRefs>
 </ds:datastoreItem>
 </file>
 
 <file path=customXml/itemProps2.xml><?xml version="1.0" encoding="utf-8"?>
-<ds:datastoreItem xmlns:ds="http://schemas.openxmlformats.org/officeDocument/2006/customXml" ds:itemID="{5F5090A6-2EB8-4589-A188-65DC03341A51}">
+<ds:datastoreItem xmlns:ds="http://schemas.openxmlformats.org/officeDocument/2006/customXml" ds:itemID="{B6DCA9F3-9F28-4DBE-907A-241B530B5EA8}">
   <ds:schemaRefs>
-    <ds:schemaRef ds:uri="http://schemas.microsoft.com/sharepoint/v3/contenttype/forms"/>
+    <ds:schemaRef ds:uri="http://schemas.microsoft.com/office/2006/metadata/properties"/>
+    <ds:schemaRef ds:uri="http://schemas.microsoft.com/office/infopath/2007/PartnerControls"/>
   </ds:schemaRefs>
 </ds:datastoreItem>
 </file>
